--- a/INGE/INGE-Volume6-Issue2.pptx
+++ b/INGE/INGE-Volume6-Issue2.pptx
@@ -110,6 +110,11 @@
       </a:defRPr>
     </a:lvl9pPr>
   </p:defaultTextStyle>
+  <p:extLst>
+    <p:ext uri="{EFAFB233-063F-42B5-8137-9DF3F51BA10A}">
+      <p15:sldGuideLst xmlns:p15="http://schemas.microsoft.com/office/powerpoint/2012/main"/>
+    </p:ext>
+  </p:extLst>
 </p:presentation>
 </file>
 
@@ -195,7 +200,7 @@
           <a:p>
             <a:fld id="{33984EF0-9788-4F9C-A94A-57E26306A850}" type="datetimeFigureOut">
               <a:rPr kumimoji="1" lang="ja-JP" altLang="en-US" smtClean="0"/>
-              <a:t>2025/5/27</a:t>
+              <a:t>2025/6/8</a:t>
             </a:fld>
             <a:endParaRPr kumimoji="1" lang="ja-JP" altLang="en-US"/>
           </a:p>
@@ -536,6 +541,32 @@
             </a:r>
           </a:p>
           <a:p>
+            <a:pPr marL="0" marR="0" lvl="0" indent="0" algn="l" defTabSz="914400" rtl="0" eaLnBrk="1" fontAlgn="auto" latinLnBrk="0" hangingPunct="1">
+              <a:lnSpc>
+                <a:spcPct val="100000"/>
+              </a:lnSpc>
+              <a:spcBef>
+                <a:spcPts val="0"/>
+              </a:spcBef>
+              <a:spcAft>
+                <a:spcPts val="0"/>
+              </a:spcAft>
+              <a:buClrTx/>
+              <a:buSzTx/>
+              <a:buFontTx/>
+              <a:buNone/>
+              <a:tabLst/>
+              <a:defRPr/>
+            </a:pPr>
+            <a:endParaRPr lang="en-US" altLang="ja-JP" b="1" i="0" dirty="0">
+              <a:solidFill>
+                <a:srgbClr val="FFFFFF"/>
+              </a:solidFill>
+              <a:effectLst/>
+              <a:latin typeface="Merriweather Sans" pitchFamily="2" charset="0"/>
+            </a:endParaRPr>
+          </a:p>
+          <a:p>
             <a:r>
               <a:rPr kumimoji="1" lang="en-US" altLang="ja-JP" dirty="0"/>
               <a:t>https://link.springer.com/article/10.1007/s41884-023-00107-y</a:t>
@@ -770,6 +801,32 @@
             </a:r>
           </a:p>
           <a:p>
+            <a:pPr marL="0" marR="0" lvl="0" indent="0" algn="l" defTabSz="914400" rtl="0" eaLnBrk="1" fontAlgn="auto" latinLnBrk="0" hangingPunct="1">
+              <a:lnSpc>
+                <a:spcPct val="100000"/>
+              </a:lnSpc>
+              <a:spcBef>
+                <a:spcPts val="0"/>
+              </a:spcBef>
+              <a:spcAft>
+                <a:spcPts val="0"/>
+              </a:spcAft>
+              <a:buClrTx/>
+              <a:buSzTx/>
+              <a:buFontTx/>
+              <a:buNone/>
+              <a:tabLst/>
+              <a:defRPr/>
+            </a:pPr>
+            <a:endParaRPr lang="en-US" altLang="ja-JP" b="1" i="0" dirty="0">
+              <a:solidFill>
+                <a:srgbClr val="FFFFFF"/>
+              </a:solidFill>
+              <a:effectLst/>
+              <a:latin typeface="Merriweather Sans" pitchFamily="2" charset="0"/>
+            </a:endParaRPr>
+          </a:p>
+          <a:p>
             <a:r>
               <a:rPr kumimoji="1" lang="en-US" altLang="ja-JP" dirty="0"/>
               <a:t>https://link.springer.com/article/10.1007/s41884-023-00114-z</a:t>
@@ -1080,7 +1137,7 @@
           <a:p>
             <a:fld id="{B502B5C5-D73F-463B-8791-ED537D6F26DD}" type="datetimeFigureOut">
               <a:rPr kumimoji="1" lang="ja-JP" altLang="en-US" smtClean="0"/>
-              <a:t>2025/5/27</a:t>
+              <a:t>2025/6/8</a:t>
             </a:fld>
             <a:endParaRPr kumimoji="1" lang="ja-JP" altLang="en-US"/>
           </a:p>
@@ -1280,7 +1337,7 @@
           <a:p>
             <a:fld id="{B502B5C5-D73F-463B-8791-ED537D6F26DD}" type="datetimeFigureOut">
               <a:rPr kumimoji="1" lang="ja-JP" altLang="en-US" smtClean="0"/>
-              <a:t>2025/5/27</a:t>
+              <a:t>2025/6/8</a:t>
             </a:fld>
             <a:endParaRPr kumimoji="1" lang="ja-JP" altLang="en-US"/>
           </a:p>
@@ -1490,7 +1547,7 @@
           <a:p>
             <a:fld id="{B502B5C5-D73F-463B-8791-ED537D6F26DD}" type="datetimeFigureOut">
               <a:rPr kumimoji="1" lang="ja-JP" altLang="en-US" smtClean="0"/>
-              <a:t>2025/5/27</a:t>
+              <a:t>2025/6/8</a:t>
             </a:fld>
             <a:endParaRPr kumimoji="1" lang="ja-JP" altLang="en-US"/>
           </a:p>
@@ -1690,7 +1747,7 @@
           <a:p>
             <a:fld id="{B502B5C5-D73F-463B-8791-ED537D6F26DD}" type="datetimeFigureOut">
               <a:rPr kumimoji="1" lang="ja-JP" altLang="en-US" smtClean="0"/>
-              <a:t>2025/5/27</a:t>
+              <a:t>2025/6/8</a:t>
             </a:fld>
             <a:endParaRPr kumimoji="1" lang="ja-JP" altLang="en-US"/>
           </a:p>
@@ -1966,7 +2023,7 @@
           <a:p>
             <a:fld id="{B502B5C5-D73F-463B-8791-ED537D6F26DD}" type="datetimeFigureOut">
               <a:rPr kumimoji="1" lang="ja-JP" altLang="en-US" smtClean="0"/>
-              <a:t>2025/5/27</a:t>
+              <a:t>2025/6/8</a:t>
             </a:fld>
             <a:endParaRPr kumimoji="1" lang="ja-JP" altLang="en-US"/>
           </a:p>
@@ -2234,7 +2291,7 @@
           <a:p>
             <a:fld id="{B502B5C5-D73F-463B-8791-ED537D6F26DD}" type="datetimeFigureOut">
               <a:rPr kumimoji="1" lang="ja-JP" altLang="en-US" smtClean="0"/>
-              <a:t>2025/5/27</a:t>
+              <a:t>2025/6/8</a:t>
             </a:fld>
             <a:endParaRPr kumimoji="1" lang="ja-JP" altLang="en-US"/>
           </a:p>
@@ -2649,7 +2706,7 @@
           <a:p>
             <a:fld id="{B502B5C5-D73F-463B-8791-ED537D6F26DD}" type="datetimeFigureOut">
               <a:rPr kumimoji="1" lang="ja-JP" altLang="en-US" smtClean="0"/>
-              <a:t>2025/5/27</a:t>
+              <a:t>2025/6/8</a:t>
             </a:fld>
             <a:endParaRPr kumimoji="1" lang="ja-JP" altLang="en-US"/>
           </a:p>
@@ -2791,7 +2848,7 @@
           <a:p>
             <a:fld id="{B502B5C5-D73F-463B-8791-ED537D6F26DD}" type="datetimeFigureOut">
               <a:rPr kumimoji="1" lang="ja-JP" altLang="en-US" smtClean="0"/>
-              <a:t>2025/5/27</a:t>
+              <a:t>2025/6/8</a:t>
             </a:fld>
             <a:endParaRPr kumimoji="1" lang="ja-JP" altLang="en-US"/>
           </a:p>
@@ -2904,7 +2961,7 @@
           <a:p>
             <a:fld id="{B502B5C5-D73F-463B-8791-ED537D6F26DD}" type="datetimeFigureOut">
               <a:rPr kumimoji="1" lang="ja-JP" altLang="en-US" smtClean="0"/>
-              <a:t>2025/5/27</a:t>
+              <a:t>2025/6/8</a:t>
             </a:fld>
             <a:endParaRPr kumimoji="1" lang="ja-JP" altLang="en-US"/>
           </a:p>
@@ -3217,7 +3274,7 @@
           <a:p>
             <a:fld id="{B502B5C5-D73F-463B-8791-ED537D6F26DD}" type="datetimeFigureOut">
               <a:rPr kumimoji="1" lang="ja-JP" altLang="en-US" smtClean="0"/>
-              <a:t>2025/5/27</a:t>
+              <a:t>2025/6/8</a:t>
             </a:fld>
             <a:endParaRPr kumimoji="1" lang="ja-JP" altLang="en-US"/>
           </a:p>
@@ -3506,7 +3563,7 @@
           <a:p>
             <a:fld id="{B502B5C5-D73F-463B-8791-ED537D6F26DD}" type="datetimeFigureOut">
               <a:rPr kumimoji="1" lang="ja-JP" altLang="en-US" smtClean="0"/>
-              <a:t>2025/5/27</a:t>
+              <a:t>2025/6/8</a:t>
             </a:fld>
             <a:endParaRPr kumimoji="1" lang="ja-JP" altLang="en-US"/>
           </a:p>
@@ -3749,7 +3806,7 @@
           <a:p>
             <a:fld id="{B502B5C5-D73F-463B-8791-ED537D6F26DD}" type="datetimeFigureOut">
               <a:rPr kumimoji="1" lang="ja-JP" altLang="en-US" smtClean="0"/>
-              <a:t>2025/5/27</a:t>
+              <a:t>2025/6/8</a:t>
             </a:fld>
             <a:endParaRPr kumimoji="1" lang="ja-JP" altLang="en-US"/>
           </a:p>
